--- a/PPT/EP3-2020-06-08.pptx
+++ b/PPT/EP3-2020-06-08.pptx
@@ -219,7 +219,7 @@
           <a:p>
             <a:fld id="{65A80631-54B1-48E6-A9AE-E2FEE8DCC965}" type="datetimeFigureOut">
               <a:rPr lang="en-AU" smtClean="0"/>
-              <a:t>11/06/2020</a:t>
+              <a:t>2/07/2020</a:t>
             </a:fld>
             <a:endParaRPr lang="en-AU"/>
           </a:p>
@@ -1394,7 +1394,7 @@
           <a:p>
             <a:fld id="{8E637067-6E96-407E-932C-BC7D980752C7}" type="datetime1">
               <a:rPr lang="en-AU" smtClean="0"/>
-              <a:t>11/06/2020</a:t>
+              <a:t>2/07/2020</a:t>
             </a:fld>
             <a:endParaRPr lang="en-AU"/>
           </a:p>
@@ -1656,7 +1656,7 @@
           <a:p>
             <a:fld id="{E2450903-EBF7-48C2-8550-1833C12F0AA6}" type="datetime1">
               <a:rPr lang="en-AU" smtClean="0"/>
-              <a:t>11/06/2020</a:t>
+              <a:t>2/07/2020</a:t>
             </a:fld>
             <a:endParaRPr lang="en-AU"/>
           </a:p>
@@ -1866,7 +1866,7 @@
           <a:p>
             <a:fld id="{0719D9BD-B01A-4CEF-A6CB-21D7A6F8D6F2}" type="datetime1">
               <a:rPr lang="en-AU" smtClean="0"/>
-              <a:t>11/06/2020</a:t>
+              <a:t>2/07/2020</a:t>
             </a:fld>
             <a:endParaRPr lang="en-AU"/>
           </a:p>
@@ -2096,7 +2096,7 @@
           <a:p>
             <a:fld id="{C64969CA-26E5-45A2-B10F-C1180E7CBD2D}" type="datetime1">
               <a:rPr lang="en-AU" smtClean="0"/>
-              <a:t>11/06/2020</a:t>
+              <a:t>2/07/2020</a:t>
             </a:fld>
             <a:endParaRPr lang="en-AU"/>
           </a:p>
@@ -2391,7 +2391,7 @@
           <a:p>
             <a:fld id="{5F7A2204-BE50-4E48-9789-6C6AAA30A7A2}" type="datetime1">
               <a:rPr lang="en-AU" smtClean="0"/>
-              <a:t>11/06/2020</a:t>
+              <a:t>2/07/2020</a:t>
             </a:fld>
             <a:endParaRPr lang="en-AU"/>
           </a:p>
@@ -2689,7 +2689,7 @@
           <a:p>
             <a:fld id="{721A5C3F-BE4F-4851-AF67-8A75069083E7}" type="datetime1">
               <a:rPr lang="en-AU" smtClean="0"/>
-              <a:t>11/06/2020</a:t>
+              <a:t>2/07/2020</a:t>
             </a:fld>
             <a:endParaRPr lang="en-AU"/>
           </a:p>
@@ -3104,7 +3104,7 @@
           <a:p>
             <a:fld id="{55A3E711-E32B-4CCD-82F0-95CC8451035B}" type="datetime1">
               <a:rPr lang="en-AU" smtClean="0"/>
-              <a:t>11/06/2020</a:t>
+              <a:t>2/07/2020</a:t>
             </a:fld>
             <a:endParaRPr lang="en-AU"/>
           </a:p>
@@ -3246,7 +3246,7 @@
           <a:p>
             <a:fld id="{EF07BE97-ED60-462F-A348-14836DED808A}" type="datetime1">
               <a:rPr lang="en-AU" smtClean="0"/>
-              <a:t>11/06/2020</a:t>
+              <a:t>2/07/2020</a:t>
             </a:fld>
             <a:endParaRPr lang="en-AU"/>
           </a:p>
@@ -3364,7 +3364,7 @@
           <a:p>
             <a:fld id="{E97282B5-37CB-4082-B12E-83D5EDF75E4A}" type="datetime1">
               <a:rPr lang="en-AU" smtClean="0"/>
-              <a:t>11/06/2020</a:t>
+              <a:t>2/07/2020</a:t>
             </a:fld>
             <a:endParaRPr lang="en-AU"/>
           </a:p>
@@ -3696,7 +3696,7 @@
           <a:p>
             <a:fld id="{C7C2990E-F309-4F24-BA9A-9107C2FDEECF}" type="datetime1">
               <a:rPr lang="en-AU" smtClean="0"/>
-              <a:t>11/06/2020</a:t>
+              <a:t>2/07/2020</a:t>
             </a:fld>
             <a:endParaRPr lang="en-AU"/>
           </a:p>
@@ -3985,7 +3985,7 @@
           <a:p>
             <a:fld id="{80C6DB83-2A7E-4062-A2D1-F8DFAD5107D5}" type="datetime1">
               <a:rPr lang="en-AU" smtClean="0"/>
-              <a:t>11/06/2020</a:t>
+              <a:t>2/07/2020</a:t>
             </a:fld>
             <a:endParaRPr lang="en-AU"/>
           </a:p>
@@ -4230,7 +4230,7 @@
           <a:p>
             <a:fld id="{0579ABAF-0E04-4612-BCFD-9F946A6B758B}" type="datetime1">
               <a:rPr lang="en-AU" smtClean="0"/>
-              <a:t>11/06/2020</a:t>
+              <a:t>2/07/2020</a:t>
             </a:fld>
             <a:endParaRPr lang="en-AU"/>
           </a:p>
@@ -8600,7 +8600,7 @@
                   <a:srgbClr val="FF0000"/>
                 </a:solidFill>
               </a:rPr>
-              <a:t>E:\UncleEngineerDjango</a:t>
+              <a:t>E:\Django50Hours</a:t>
             </a:r>
           </a:p>
           <a:p>
@@ -8791,7 +8791,7 @@
         <p:spPr>
           <a:xfrm>
             <a:off x="8348248" y="1211879"/>
-            <a:ext cx="2472152" cy="369332"/>
+            <a:ext cx="1895904" cy="369332"/>
           </a:xfrm>
           <a:prstGeom prst="rect">
             <a:avLst/>
@@ -8823,7 +8823,7 @@
                   <a:schemeClr val="bg1"/>
                 </a:solidFill>
               </a:rPr>
-              <a:t>E:\UncleEngineerDjango</a:t>
+              <a:t>E:\Django50Hours</a:t>
             </a:r>
           </a:p>
         </p:txBody>
@@ -10457,7 +10457,7 @@
             </a:r>
             <a:r>
               <a:rPr lang="en-AU" dirty="0"/>
-              <a:t>E:\UncleEngineerDjango\firstweb</a:t>
+              <a:t>E:\Django50Hours\firstweb</a:t>
             </a:r>
           </a:p>
           <a:p>
